--- a/Documents/Presentations/Final Presentation v1.pptx
+++ b/Documents/Presentations/Final Presentation v1.pptx
@@ -5,10 +5,10 @@
     <p:sldMasterId id="2147483648" r:id="rId1"/>
   </p:sldMasterIdLst>
   <p:notesMasterIdLst>
-    <p:notesMasterId r:id="rId19"/>
+    <p:notesMasterId r:id="rId20"/>
   </p:notesMasterIdLst>
   <p:handoutMasterIdLst>
-    <p:handoutMasterId r:id="rId20"/>
+    <p:handoutMasterId r:id="rId21"/>
   </p:handoutMasterIdLst>
   <p:sldIdLst>
     <p:sldId id="256" r:id="rId2"/>
@@ -18,16 +18,17 @@
     <p:sldId id="286" r:id="rId6"/>
     <p:sldId id="260" r:id="rId7"/>
     <p:sldId id="280" r:id="rId8"/>
-    <p:sldId id="281" r:id="rId9"/>
-    <p:sldId id="283" r:id="rId10"/>
-    <p:sldId id="282" r:id="rId11"/>
-    <p:sldId id="284" r:id="rId12"/>
-    <p:sldId id="285" r:id="rId13"/>
-    <p:sldId id="276" r:id="rId14"/>
-    <p:sldId id="277" r:id="rId15"/>
-    <p:sldId id="275" r:id="rId16"/>
-    <p:sldId id="263" r:id="rId17"/>
-    <p:sldId id="273" r:id="rId18"/>
+    <p:sldId id="287" r:id="rId9"/>
+    <p:sldId id="281" r:id="rId10"/>
+    <p:sldId id="283" r:id="rId11"/>
+    <p:sldId id="282" r:id="rId12"/>
+    <p:sldId id="284" r:id="rId13"/>
+    <p:sldId id="285" r:id="rId14"/>
+    <p:sldId id="276" r:id="rId15"/>
+    <p:sldId id="277" r:id="rId16"/>
+    <p:sldId id="275" r:id="rId17"/>
+    <p:sldId id="263" r:id="rId18"/>
+    <p:sldId id="273" r:id="rId19"/>
   </p:sldIdLst>
   <p:sldSz cx="9144000" cy="6858000" type="screen4x3"/>
   <p:notesSz cx="6858000" cy="9144000"/>
@@ -4261,6 +4262,175 @@
             <p:ph type="title"/>
           </p:nvPr>
         </p:nvSpPr>
+        <p:spPr/>
+        <p:txBody>
+          <a:bodyPr/>
+          <a:lstStyle/>
+          <a:p>
+            <a:r>
+              <a:rPr lang="en-AU" b="1" dirty="0" smtClean="0">
+                <a:solidFill>
+                  <a:schemeClr val="bg1"/>
+                </a:solidFill>
+              </a:rPr>
+              <a:t>Video</a:t>
+            </a:r>
+            <a:endParaRPr lang="en-AU" b="1" dirty="0">
+              <a:solidFill>
+                <a:schemeClr val="bg1"/>
+              </a:solidFill>
+            </a:endParaRPr>
+          </a:p>
+        </p:txBody>
+      </p:sp>
+      <p:sp>
+        <p:nvSpPr>
+          <p:cNvPr id="3" name="Content Placeholder 2"/>
+          <p:cNvSpPr>
+            <a:spLocks noGrp="1"/>
+          </p:cNvSpPr>
+          <p:nvPr>
+            <p:ph idx="1"/>
+          </p:nvPr>
+        </p:nvSpPr>
+        <p:spPr/>
+        <p:txBody>
+          <a:bodyPr/>
+          <a:lstStyle/>
+          <a:p>
+            <a:pPr marL="0" indent="0">
+              <a:buNone/>
+            </a:pPr>
+            <a:r>
+              <a:rPr lang="en-AU" dirty="0" smtClean="0">
+                <a:solidFill>
+                  <a:schemeClr val="bg1"/>
+                </a:solidFill>
+              </a:rPr>
+              <a:t>Menu</a:t>
+            </a:r>
+          </a:p>
+          <a:p>
+            <a:pPr marL="0" indent="0">
+              <a:buNone/>
+            </a:pPr>
+            <a:r>
+              <a:rPr lang="en-AU" dirty="0" smtClean="0">
+                <a:solidFill>
+                  <a:schemeClr val="bg1"/>
+                </a:solidFill>
+              </a:rPr>
+              <a:t>Adjustors</a:t>
+            </a:r>
+          </a:p>
+          <a:p>
+            <a:pPr marL="0" indent="0">
+              <a:buNone/>
+            </a:pPr>
+            <a:r>
+              <a:rPr lang="en-AU" dirty="0" smtClean="0">
+                <a:solidFill>
+                  <a:schemeClr val="bg1"/>
+                </a:solidFill>
+              </a:rPr>
+              <a:t>Profiling</a:t>
+            </a:r>
+          </a:p>
+          <a:p>
+            <a:pPr marL="0" indent="0">
+              <a:buNone/>
+            </a:pPr>
+            <a:endParaRPr lang="en-AU" dirty="0">
+              <a:solidFill>
+                <a:schemeClr val="bg1"/>
+              </a:solidFill>
+            </a:endParaRPr>
+          </a:p>
+          <a:p>
+            <a:pPr marL="0" indent="0">
+              <a:buNone/>
+            </a:pPr>
+            <a:r>
+              <a:rPr lang="en-AU" dirty="0">
+                <a:solidFill>
+                  <a:schemeClr val="bg1"/>
+                </a:solidFill>
+              </a:rPr>
+              <a:t>Oculus Rift – To make it easier for the audience to view, we’re only using the Oculus with one of the input interfaces today</a:t>
+            </a:r>
+          </a:p>
+          <a:p>
+            <a:pPr marL="0" indent="0">
+              <a:buNone/>
+            </a:pPr>
+            <a:endParaRPr lang="en-AU" dirty="0" smtClean="0">
+              <a:solidFill>
+                <a:schemeClr val="bg1"/>
+              </a:solidFill>
+            </a:endParaRPr>
+          </a:p>
+          <a:p>
+            <a:pPr marL="0" indent="0">
+              <a:buNone/>
+            </a:pPr>
+            <a:endParaRPr lang="en-AU" dirty="0">
+              <a:solidFill>
+                <a:schemeClr val="bg1"/>
+              </a:solidFill>
+            </a:endParaRPr>
+          </a:p>
+          <a:p>
+            <a:pPr marL="0" indent="0">
+              <a:buNone/>
+            </a:pPr>
+            <a:endParaRPr lang="en-AU" dirty="0">
+              <a:solidFill>
+                <a:schemeClr val="bg1"/>
+              </a:solidFill>
+            </a:endParaRPr>
+          </a:p>
+        </p:txBody>
+      </p:sp>
+    </p:spTree>
+    <p:extLst>
+      <p:ext uri="{BB962C8B-B14F-4D97-AF65-F5344CB8AC3E}">
+        <p14:creationId xmlns:p14="http://schemas.microsoft.com/office/powerpoint/2010/main" val="1266296843"/>
+      </p:ext>
+    </p:extLst>
+  </p:cSld>
+  <p:clrMapOvr>
+    <a:masterClrMapping/>
+  </p:clrMapOvr>
+</p:sld>
+</file>
+
+<file path=ppt/slides/slide11.xml><?xml version="1.0" encoding="utf-8"?>
+<p:sld xmlns:a="http://schemas.openxmlformats.org/drawingml/2006/main" xmlns:r="http://schemas.openxmlformats.org/officeDocument/2006/relationships" xmlns:p="http://schemas.openxmlformats.org/presentationml/2006/main">
+  <p:cSld>
+    <p:spTree>
+      <p:nvGrpSpPr>
+        <p:cNvPr id="1" name=""/>
+        <p:cNvGrpSpPr/>
+        <p:nvPr/>
+      </p:nvGrpSpPr>
+      <p:grpSpPr>
+        <a:xfrm>
+          <a:off x="0" y="0"/>
+          <a:ext cx="0" cy="0"/>
+          <a:chOff x="0" y="0"/>
+          <a:chExt cx="0" cy="0"/>
+        </a:xfrm>
+      </p:grpSpPr>
+      <p:sp>
+        <p:nvSpPr>
+          <p:cNvPr id="2" name="Title 1"/>
+          <p:cNvSpPr>
+            <a:spLocks noGrp="1"/>
+          </p:cNvSpPr>
+          <p:nvPr>
+            <p:ph type="title"/>
+          </p:nvPr>
+        </p:nvSpPr>
         <p:spPr>
           <a:xfrm>
             <a:off x="457200" y="274638"/>
@@ -4442,206 +4612,6 @@
 </p:sld>
 </file>
 
-<file path=ppt/slides/slide11.xml><?xml version="1.0" encoding="utf-8"?>
-<p:sld xmlns:a="http://schemas.openxmlformats.org/drawingml/2006/main" xmlns:r="http://schemas.openxmlformats.org/officeDocument/2006/relationships" xmlns:p="http://schemas.openxmlformats.org/presentationml/2006/main">
-  <p:cSld>
-    <p:spTree>
-      <p:nvGrpSpPr>
-        <p:cNvPr id="1" name=""/>
-        <p:cNvGrpSpPr/>
-        <p:nvPr/>
-      </p:nvGrpSpPr>
-      <p:grpSpPr>
-        <a:xfrm>
-          <a:off x="0" y="0"/>
-          <a:ext cx="0" cy="0"/>
-          <a:chOff x="0" y="0"/>
-          <a:chExt cx="0" cy="0"/>
-        </a:xfrm>
-      </p:grpSpPr>
-      <p:sp>
-        <p:nvSpPr>
-          <p:cNvPr id="2" name="Title 1"/>
-          <p:cNvSpPr>
-            <a:spLocks noGrp="1"/>
-          </p:cNvSpPr>
-          <p:nvPr>
-            <p:ph type="title"/>
-          </p:nvPr>
-        </p:nvSpPr>
-        <p:spPr>
-          <a:xfrm>
-            <a:off x="0" y="116632"/>
-            <a:ext cx="9144000" cy="2088232"/>
-          </a:xfrm>
-        </p:spPr>
-        <p:txBody>
-          <a:bodyPr>
-            <a:normAutofit fontScale="90000"/>
-          </a:bodyPr>
-          <a:lstStyle/>
-          <a:p>
-            <a:r>
-              <a:rPr lang="en-AU" sz="4000" b="1" dirty="0">
-                <a:solidFill>
-                  <a:schemeClr val="bg1"/>
-                </a:solidFill>
-              </a:rPr>
-              <a:t>Live </a:t>
-            </a:r>
-            <a:r>
-              <a:rPr lang="en-AU" sz="4000" b="1" dirty="0" smtClean="0">
-                <a:solidFill>
-                  <a:schemeClr val="bg1"/>
-                </a:solidFill>
-              </a:rPr>
-              <a:t>Demonstration</a:t>
-            </a:r>
-            <a:br>
-              <a:rPr lang="en-AU" sz="4000" b="1" dirty="0" smtClean="0">
-                <a:solidFill>
-                  <a:schemeClr val="bg1"/>
-                </a:solidFill>
-              </a:rPr>
-            </a:br>
-            <a:r>
-              <a:rPr lang="en-AU" sz="4000" dirty="0">
-                <a:solidFill>
-                  <a:schemeClr val="bg1"/>
-                </a:solidFill>
-              </a:rPr>
-              <a:t>Razer Hydra – “Object Manipulation” exercise</a:t>
-            </a:r>
-            <a:r>
-              <a:rPr lang="en-AU" dirty="0">
-                <a:solidFill>
-                  <a:schemeClr val="bg1"/>
-                </a:solidFill>
-              </a:rPr>
-              <a:t/>
-            </a:r>
-            <a:br>
-              <a:rPr lang="en-AU" dirty="0">
-                <a:solidFill>
-                  <a:schemeClr val="bg1"/>
-                </a:solidFill>
-              </a:rPr>
-            </a:br>
-            <a:endParaRPr lang="en-AU" dirty="0"/>
-          </a:p>
-        </p:txBody>
-      </p:sp>
-      <p:sp>
-        <p:nvSpPr>
-          <p:cNvPr id="3" name="Content Placeholder 2"/>
-          <p:cNvSpPr>
-            <a:spLocks noGrp="1"/>
-          </p:cNvSpPr>
-          <p:nvPr>
-            <p:ph idx="1"/>
-          </p:nvPr>
-        </p:nvSpPr>
-        <p:spPr/>
-        <p:txBody>
-          <a:bodyPr/>
-          <a:lstStyle/>
-          <a:p>
-            <a:pPr marL="0" indent="0">
-              <a:buNone/>
-            </a:pPr>
-            <a:r>
-              <a:rPr lang="en-AU" dirty="0" smtClean="0">
-                <a:solidFill>
-                  <a:schemeClr val="bg1"/>
-                </a:solidFill>
-              </a:rPr>
-              <a:t>Object Manipulation</a:t>
-            </a:r>
-          </a:p>
-          <a:p>
-            <a:pPr marL="0" indent="0">
-              <a:buNone/>
-            </a:pPr>
-            <a:endParaRPr lang="en-AU" dirty="0" smtClean="0">
-              <a:solidFill>
-                <a:schemeClr val="bg1"/>
-              </a:solidFill>
-            </a:endParaRPr>
-          </a:p>
-          <a:p>
-            <a:pPr marL="0" indent="0">
-              <a:buNone/>
-            </a:pPr>
-            <a:r>
-              <a:rPr lang="en-AU" dirty="0" smtClean="0">
-                <a:solidFill>
-                  <a:schemeClr val="bg1"/>
-                </a:solidFill>
-              </a:rPr>
-              <a:t>Razer Hydra actions</a:t>
-            </a:r>
-            <a:endParaRPr lang="en-AU" dirty="0">
-              <a:solidFill>
-                <a:schemeClr val="bg1"/>
-              </a:solidFill>
-            </a:endParaRPr>
-          </a:p>
-          <a:p>
-            <a:pPr lvl="1">
-              <a:buFont typeface="Wingdings" panose="05000000000000000000" pitchFamily="2" charset="2"/>
-              <a:buChar char="§"/>
-            </a:pPr>
-            <a:r>
-              <a:rPr lang="en-AU" dirty="0">
-                <a:solidFill>
-                  <a:schemeClr val="bg1"/>
-                </a:solidFill>
-              </a:rPr>
-              <a:t>Able bodied</a:t>
-            </a:r>
-          </a:p>
-          <a:p>
-            <a:pPr lvl="1">
-              <a:buFont typeface="Wingdings" panose="05000000000000000000" pitchFamily="2" charset="2"/>
-              <a:buChar char="§"/>
-            </a:pPr>
-            <a:r>
-              <a:rPr lang="en-AU" dirty="0">
-                <a:solidFill>
-                  <a:schemeClr val="bg1"/>
-                </a:solidFill>
-              </a:rPr>
-              <a:t>Heightened </a:t>
-            </a:r>
-            <a:r>
-              <a:rPr lang="en-AU" dirty="0" smtClean="0">
-                <a:solidFill>
-                  <a:schemeClr val="bg1"/>
-                </a:solidFill>
-              </a:rPr>
-              <a:t>sensitivity</a:t>
-            </a:r>
-            <a:endParaRPr lang="en-AU" dirty="0">
-              <a:solidFill>
-                <a:schemeClr val="bg1"/>
-              </a:solidFill>
-            </a:endParaRPr>
-          </a:p>
-        </p:txBody>
-      </p:sp>
-    </p:spTree>
-    <p:extLst>
-      <p:ext uri="{BB962C8B-B14F-4D97-AF65-F5344CB8AC3E}">
-        <p14:creationId xmlns:p14="http://schemas.microsoft.com/office/powerpoint/2010/main" val="2601432940"/>
-      </p:ext>
-    </p:extLst>
-  </p:cSld>
-  <p:clrMapOvr>
-    <a:masterClrMapping/>
-  </p:clrMapOvr>
-</p:sld>
-</file>
-
 <file path=ppt/slides/slide12.xml><?xml version="1.0" encoding="utf-8"?>
 <p:sld xmlns:a="http://schemas.openxmlformats.org/drawingml/2006/main" xmlns:r="http://schemas.openxmlformats.org/officeDocument/2006/relationships" xmlns:p="http://schemas.openxmlformats.org/presentationml/2006/main">
   <p:cSld>
@@ -4671,8 +4641,8 @@
         </p:nvSpPr>
         <p:spPr>
           <a:xfrm>
-            <a:off x="457200" y="274638"/>
-            <a:ext cx="8229600" cy="1858218"/>
+            <a:off x="0" y="116632"/>
+            <a:ext cx="9144000" cy="2088232"/>
           </a:xfrm>
         </p:spPr>
         <p:txBody>
@@ -4682,7 +4652,7 @@
           <a:lstStyle/>
           <a:p>
             <a:r>
-              <a:rPr lang="en-AU" b="1" dirty="0">
+              <a:rPr lang="en-AU" sz="4000" b="1" dirty="0">
                 <a:solidFill>
                   <a:schemeClr val="bg1"/>
                 </a:solidFill>
@@ -4690,7 +4660,7 @@
               <a:t>Live </a:t>
             </a:r>
             <a:r>
-              <a:rPr lang="en-AU" b="1" dirty="0" smtClean="0">
+              <a:rPr lang="en-AU" sz="4000" b="1" dirty="0" smtClean="0">
                 <a:solidFill>
                   <a:schemeClr val="bg1"/>
                 </a:solidFill>
@@ -4698,35 +4668,27 @@
               <a:t>Demonstration</a:t>
             </a:r>
             <a:br>
-              <a:rPr lang="en-AU" b="1" dirty="0" smtClean="0">
+              <a:rPr lang="en-AU" sz="4000" b="1" dirty="0" smtClean="0">
                 <a:solidFill>
                   <a:schemeClr val="bg1"/>
                 </a:solidFill>
               </a:rPr>
             </a:br>
             <a:r>
+              <a:rPr lang="en-AU" sz="4000" dirty="0">
+                <a:solidFill>
+                  <a:schemeClr val="bg1"/>
+                </a:solidFill>
+              </a:rPr>
+              <a:t>Razer Hydra – “Object Manipulation” exercise</a:t>
+            </a:r>
+            <a:r>
               <a:rPr lang="en-AU" dirty="0">
                 <a:solidFill>
                   <a:schemeClr val="bg1"/>
                 </a:solidFill>
               </a:rPr>
-              <a:t>Leap Motion – </a:t>
-            </a:r>
-            <a:r>
-              <a:rPr lang="en-AU" dirty="0" smtClean="0">
-                <a:solidFill>
-                  <a:schemeClr val="bg1"/>
-                </a:solidFill>
-              </a:rPr>
-              <a:t>“</a:t>
-            </a:r>
-            <a:r>
-              <a:rPr lang="en-AU" dirty="0">
-                <a:solidFill>
-                  <a:schemeClr val="bg1"/>
-                </a:solidFill>
-              </a:rPr>
-              <a:t>Way Finding” exercise</a:t>
+              <a:t/>
             </a:r>
             <a:br>
               <a:rPr lang="en-AU" dirty="0">
@@ -4763,7 +4725,7 @@
                   <a:schemeClr val="bg1"/>
                 </a:solidFill>
               </a:rPr>
-              <a:t>Way Finding</a:t>
+              <a:t>Object Manipulation</a:t>
             </a:r>
           </a:p>
           <a:p>
@@ -4786,7 +4748,7 @@
                   <a:schemeClr val="bg1"/>
                 </a:solidFill>
               </a:rPr>
-              <a:t>Leap Motion actions</a:t>
+              <a:t>Razer Hydra actions</a:t>
             </a:r>
             <a:endParaRPr lang="en-AU" dirty="0">
               <a:solidFill>
@@ -4819,13 +4781,16 @@
                   <a:schemeClr val="bg1"/>
                 </a:solidFill>
               </a:rPr>
-              <a:t>Heightened sensitivity</a:t>
-            </a:r>
-          </a:p>
-          <a:p>
-            <a:pPr marL="0" indent="0">
-              <a:buNone/>
-            </a:pPr>
+              <a:t>Heightened </a:t>
+            </a:r>
+            <a:r>
+              <a:rPr lang="en-AU" dirty="0" smtClean="0">
+                <a:solidFill>
+                  <a:schemeClr val="bg1"/>
+                </a:solidFill>
+              </a:rPr>
+              <a:t>sensitivity</a:t>
+            </a:r>
             <a:endParaRPr lang="en-AU" dirty="0">
               <a:solidFill>
                 <a:schemeClr val="bg1"/>
@@ -4837,7 +4802,7 @@
     </p:spTree>
     <p:extLst>
       <p:ext uri="{BB962C8B-B14F-4D97-AF65-F5344CB8AC3E}">
-        <p14:creationId xmlns:p14="http://schemas.microsoft.com/office/powerpoint/2010/main" val="4035987295"/>
+        <p14:creationId xmlns:p14="http://schemas.microsoft.com/office/powerpoint/2010/main" val="2601432940"/>
       </p:ext>
     </p:extLst>
   </p:cSld>
@@ -4874,6 +4839,211 @@
             <p:ph type="title"/>
           </p:nvPr>
         </p:nvSpPr>
+        <p:spPr>
+          <a:xfrm>
+            <a:off x="457200" y="274638"/>
+            <a:ext cx="8229600" cy="1858218"/>
+          </a:xfrm>
+        </p:spPr>
+        <p:txBody>
+          <a:bodyPr>
+            <a:normAutofit fontScale="90000"/>
+          </a:bodyPr>
+          <a:lstStyle/>
+          <a:p>
+            <a:r>
+              <a:rPr lang="en-AU" b="1" dirty="0">
+                <a:solidFill>
+                  <a:schemeClr val="bg1"/>
+                </a:solidFill>
+              </a:rPr>
+              <a:t>Live </a:t>
+            </a:r>
+            <a:r>
+              <a:rPr lang="en-AU" b="1" dirty="0" smtClean="0">
+                <a:solidFill>
+                  <a:schemeClr val="bg1"/>
+                </a:solidFill>
+              </a:rPr>
+              <a:t>Demonstration</a:t>
+            </a:r>
+            <a:br>
+              <a:rPr lang="en-AU" b="1" dirty="0" smtClean="0">
+                <a:solidFill>
+                  <a:schemeClr val="bg1"/>
+                </a:solidFill>
+              </a:rPr>
+            </a:br>
+            <a:r>
+              <a:rPr lang="en-AU" dirty="0">
+                <a:solidFill>
+                  <a:schemeClr val="bg1"/>
+                </a:solidFill>
+              </a:rPr>
+              <a:t>Leap Motion – </a:t>
+            </a:r>
+            <a:r>
+              <a:rPr lang="en-AU" dirty="0" smtClean="0">
+                <a:solidFill>
+                  <a:schemeClr val="bg1"/>
+                </a:solidFill>
+              </a:rPr>
+              <a:t>“</a:t>
+            </a:r>
+            <a:r>
+              <a:rPr lang="en-AU" dirty="0">
+                <a:solidFill>
+                  <a:schemeClr val="bg1"/>
+                </a:solidFill>
+              </a:rPr>
+              <a:t>Way Finding” exercise</a:t>
+            </a:r>
+            <a:br>
+              <a:rPr lang="en-AU" dirty="0">
+                <a:solidFill>
+                  <a:schemeClr val="bg1"/>
+                </a:solidFill>
+              </a:rPr>
+            </a:br>
+            <a:endParaRPr lang="en-AU" dirty="0"/>
+          </a:p>
+        </p:txBody>
+      </p:sp>
+      <p:sp>
+        <p:nvSpPr>
+          <p:cNvPr id="3" name="Content Placeholder 2"/>
+          <p:cNvSpPr>
+            <a:spLocks noGrp="1"/>
+          </p:cNvSpPr>
+          <p:nvPr>
+            <p:ph idx="1"/>
+          </p:nvPr>
+        </p:nvSpPr>
+        <p:spPr/>
+        <p:txBody>
+          <a:bodyPr/>
+          <a:lstStyle/>
+          <a:p>
+            <a:pPr marL="0" indent="0">
+              <a:buNone/>
+            </a:pPr>
+            <a:r>
+              <a:rPr lang="en-AU" dirty="0" smtClean="0">
+                <a:solidFill>
+                  <a:schemeClr val="bg1"/>
+                </a:solidFill>
+              </a:rPr>
+              <a:t>Way Finding</a:t>
+            </a:r>
+          </a:p>
+          <a:p>
+            <a:pPr marL="0" indent="0">
+              <a:buNone/>
+            </a:pPr>
+            <a:endParaRPr lang="en-AU" dirty="0" smtClean="0">
+              <a:solidFill>
+                <a:schemeClr val="bg1"/>
+              </a:solidFill>
+            </a:endParaRPr>
+          </a:p>
+          <a:p>
+            <a:pPr marL="0" indent="0">
+              <a:buNone/>
+            </a:pPr>
+            <a:r>
+              <a:rPr lang="en-AU" dirty="0" smtClean="0">
+                <a:solidFill>
+                  <a:schemeClr val="bg1"/>
+                </a:solidFill>
+              </a:rPr>
+              <a:t>Leap Motion actions</a:t>
+            </a:r>
+            <a:endParaRPr lang="en-AU" dirty="0">
+              <a:solidFill>
+                <a:schemeClr val="bg1"/>
+              </a:solidFill>
+            </a:endParaRPr>
+          </a:p>
+          <a:p>
+            <a:pPr lvl="1">
+              <a:buFont typeface="Wingdings" panose="05000000000000000000" pitchFamily="2" charset="2"/>
+              <a:buChar char="§"/>
+            </a:pPr>
+            <a:r>
+              <a:rPr lang="en-AU" dirty="0">
+                <a:solidFill>
+                  <a:schemeClr val="bg1"/>
+                </a:solidFill>
+              </a:rPr>
+              <a:t>Able bodied</a:t>
+            </a:r>
+          </a:p>
+          <a:p>
+            <a:pPr lvl="1">
+              <a:buFont typeface="Wingdings" panose="05000000000000000000" pitchFamily="2" charset="2"/>
+              <a:buChar char="§"/>
+            </a:pPr>
+            <a:r>
+              <a:rPr lang="en-AU" dirty="0">
+                <a:solidFill>
+                  <a:schemeClr val="bg1"/>
+                </a:solidFill>
+              </a:rPr>
+              <a:t>Heightened sensitivity</a:t>
+            </a:r>
+          </a:p>
+          <a:p>
+            <a:pPr marL="0" indent="0">
+              <a:buNone/>
+            </a:pPr>
+            <a:endParaRPr lang="en-AU" dirty="0">
+              <a:solidFill>
+                <a:schemeClr val="bg1"/>
+              </a:solidFill>
+            </a:endParaRPr>
+          </a:p>
+        </p:txBody>
+      </p:sp>
+    </p:spTree>
+    <p:extLst>
+      <p:ext uri="{BB962C8B-B14F-4D97-AF65-F5344CB8AC3E}">
+        <p14:creationId xmlns:p14="http://schemas.microsoft.com/office/powerpoint/2010/main" val="4035987295"/>
+      </p:ext>
+    </p:extLst>
+  </p:cSld>
+  <p:clrMapOvr>
+    <a:masterClrMapping/>
+  </p:clrMapOvr>
+</p:sld>
+</file>
+
+<file path=ppt/slides/slide14.xml><?xml version="1.0" encoding="utf-8"?>
+<p:sld xmlns:a="http://schemas.openxmlformats.org/drawingml/2006/main" xmlns:r="http://schemas.openxmlformats.org/officeDocument/2006/relationships" xmlns:p="http://schemas.openxmlformats.org/presentationml/2006/main">
+  <p:cSld>
+    <p:spTree>
+      <p:nvGrpSpPr>
+        <p:cNvPr id="1" name=""/>
+        <p:cNvGrpSpPr/>
+        <p:nvPr/>
+      </p:nvGrpSpPr>
+      <p:grpSpPr>
+        <a:xfrm>
+          <a:off x="0" y="0"/>
+          <a:ext cx="0" cy="0"/>
+          <a:chOff x="0" y="0"/>
+          <a:chExt cx="0" cy="0"/>
+        </a:xfrm>
+      </p:grpSpPr>
+      <p:sp>
+        <p:nvSpPr>
+          <p:cNvPr id="2" name="Title 1"/>
+          <p:cNvSpPr>
+            <a:spLocks noGrp="1"/>
+          </p:cNvSpPr>
+          <p:nvPr>
+            <p:ph type="title"/>
+          </p:nvPr>
+        </p:nvSpPr>
         <p:spPr/>
         <p:txBody>
           <a:bodyPr/>
@@ -5147,209 +5317,6 @@
     <p:extLst>
       <p:ext uri="{BB962C8B-B14F-4D97-AF65-F5344CB8AC3E}">
         <p14:creationId xmlns:p14="http://schemas.microsoft.com/office/powerpoint/2010/main" val="4234048080"/>
-      </p:ext>
-    </p:extLst>
-  </p:cSld>
-  <p:clrMapOvr>
-    <a:masterClrMapping/>
-  </p:clrMapOvr>
-  <p:timing>
-    <p:tnLst>
-      <p:par>
-        <p:cTn id="1" dur="indefinite" restart="never" nodeType="tmRoot"/>
-      </p:par>
-    </p:tnLst>
-  </p:timing>
-</p:sld>
-</file>
-
-<file path=ppt/slides/slide14.xml><?xml version="1.0" encoding="utf-8"?>
-<p:sld xmlns:a="http://schemas.openxmlformats.org/drawingml/2006/main" xmlns:r="http://schemas.openxmlformats.org/officeDocument/2006/relationships" xmlns:p="http://schemas.openxmlformats.org/presentationml/2006/main">
-  <p:cSld>
-    <p:spTree>
-      <p:nvGrpSpPr>
-        <p:cNvPr id="1" name=""/>
-        <p:cNvGrpSpPr/>
-        <p:nvPr/>
-      </p:nvGrpSpPr>
-      <p:grpSpPr>
-        <a:xfrm>
-          <a:off x="0" y="0"/>
-          <a:ext cx="0" cy="0"/>
-          <a:chOff x="0" y="0"/>
-          <a:chExt cx="0" cy="0"/>
-        </a:xfrm>
-      </p:grpSpPr>
-      <p:sp>
-        <p:nvSpPr>
-          <p:cNvPr id="2" name="Title 1"/>
-          <p:cNvSpPr>
-            <a:spLocks noGrp="1"/>
-          </p:cNvSpPr>
-          <p:nvPr>
-            <p:ph type="title"/>
-          </p:nvPr>
-        </p:nvSpPr>
-        <p:spPr/>
-        <p:txBody>
-          <a:bodyPr/>
-          <a:lstStyle/>
-          <a:p>
-            <a:r>
-              <a:rPr lang="en-AU" b="1" dirty="0" smtClean="0">
-                <a:solidFill>
-                  <a:schemeClr val="bg1"/>
-                </a:solidFill>
-              </a:rPr>
-              <a:t>Future Possibilities</a:t>
-            </a:r>
-            <a:endParaRPr lang="en-AU" b="1" dirty="0">
-              <a:solidFill>
-                <a:schemeClr val="bg1"/>
-              </a:solidFill>
-            </a:endParaRPr>
-          </a:p>
-        </p:txBody>
-      </p:sp>
-      <p:sp>
-        <p:nvSpPr>
-          <p:cNvPr id="3" name="Content Placeholder 2"/>
-          <p:cNvSpPr>
-            <a:spLocks noGrp="1"/>
-          </p:cNvSpPr>
-          <p:nvPr>
-            <p:ph idx="1"/>
-          </p:nvPr>
-        </p:nvSpPr>
-        <p:spPr/>
-        <p:txBody>
-          <a:bodyPr/>
-          <a:lstStyle/>
-          <a:p>
-            <a:pPr marL="0" indent="0">
-              <a:buNone/>
-            </a:pPr>
-            <a:r>
-              <a:rPr lang="en-AU" dirty="0" smtClean="0">
-                <a:solidFill>
-                  <a:schemeClr val="bg1"/>
-                </a:solidFill>
-              </a:rPr>
-              <a:t>Clinical use</a:t>
-            </a:r>
-          </a:p>
-          <a:p>
-            <a:pPr lvl="1">
-              <a:buFont typeface="Wingdings" panose="05000000000000000000" pitchFamily="2" charset="2"/>
-              <a:buChar char="§"/>
-            </a:pPr>
-            <a:r>
-              <a:rPr lang="en-AU" dirty="0" err="1" smtClean="0">
-                <a:solidFill>
-                  <a:schemeClr val="bg1"/>
-                </a:solidFill>
-              </a:rPr>
-              <a:t>Shri</a:t>
-            </a:r>
-            <a:r>
-              <a:rPr lang="en-AU" dirty="0" smtClean="0">
-                <a:solidFill>
-                  <a:schemeClr val="bg1"/>
-                </a:solidFill>
-              </a:rPr>
-              <a:t> </a:t>
-            </a:r>
-            <a:r>
-              <a:rPr lang="en-AU" dirty="0" err="1" smtClean="0">
-                <a:solidFill>
-                  <a:schemeClr val="bg1"/>
-                </a:solidFill>
-              </a:rPr>
-              <a:t>Rai</a:t>
-            </a:r>
-            <a:endParaRPr lang="en-AU" dirty="0" smtClean="0">
-              <a:solidFill>
-                <a:schemeClr val="bg1"/>
-              </a:solidFill>
-            </a:endParaRPr>
-          </a:p>
-          <a:p>
-            <a:pPr marL="0" indent="0">
-              <a:buNone/>
-            </a:pPr>
-            <a:r>
-              <a:rPr lang="en-AU" dirty="0" smtClean="0">
-                <a:solidFill>
-                  <a:schemeClr val="bg1"/>
-                </a:solidFill>
-              </a:rPr>
-              <a:t>Additional control schemes</a:t>
-            </a:r>
-          </a:p>
-          <a:p>
-            <a:pPr lvl="1">
-              <a:buFont typeface="Wingdings" panose="05000000000000000000" pitchFamily="2" charset="2"/>
-              <a:buChar char="§"/>
-            </a:pPr>
-            <a:r>
-              <a:rPr lang="en-AU" dirty="0" smtClean="0">
-                <a:solidFill>
-                  <a:schemeClr val="bg1"/>
-                </a:solidFill>
-              </a:rPr>
-              <a:t>Speech</a:t>
-            </a:r>
-          </a:p>
-          <a:p>
-            <a:pPr lvl="1">
-              <a:buFont typeface="Wingdings" panose="05000000000000000000" pitchFamily="2" charset="2"/>
-              <a:buChar char="§"/>
-            </a:pPr>
-            <a:r>
-              <a:rPr lang="en-AU" dirty="0" smtClean="0">
-                <a:solidFill>
-                  <a:schemeClr val="bg1"/>
-                </a:solidFill>
-              </a:rPr>
-              <a:t>EEG</a:t>
-            </a:r>
-          </a:p>
-          <a:p>
-            <a:pPr lvl="1">
-              <a:buFont typeface="Wingdings" panose="05000000000000000000" pitchFamily="2" charset="2"/>
-              <a:buChar char="§"/>
-            </a:pPr>
-            <a:r>
-              <a:rPr lang="en-AU" dirty="0" smtClean="0">
-                <a:solidFill>
-                  <a:schemeClr val="bg1"/>
-                </a:solidFill>
-              </a:rPr>
-              <a:t>Monitoring variables to self improve the system</a:t>
-            </a:r>
-          </a:p>
-          <a:p>
-            <a:pPr lvl="2"/>
-            <a:r>
-              <a:rPr lang="en-AU" dirty="0" smtClean="0">
-                <a:solidFill>
-                  <a:schemeClr val="bg1"/>
-                </a:solidFill>
-              </a:rPr>
-              <a:t>Stress</a:t>
-            </a:r>
-            <a:endParaRPr lang="en-AU" dirty="0">
-              <a:solidFill>
-                <a:schemeClr val="bg1"/>
-              </a:solidFill>
-            </a:endParaRPr>
-          </a:p>
-        </p:txBody>
-      </p:sp>
-    </p:spTree>
-    <p:extLst>
-      <p:ext uri="{BB962C8B-B14F-4D97-AF65-F5344CB8AC3E}">
-        <p14:creationId xmlns:p14="http://schemas.microsoft.com/office/powerpoint/2010/main" val="4032374465"/>
       </p:ext>
     </p:extLst>
   </p:cSld>
@@ -5404,7 +5371,7 @@
                   <a:schemeClr val="bg1"/>
                 </a:solidFill>
               </a:rPr>
-              <a:t>Lessons Learned</a:t>
+              <a:t>Future Possibilities</a:t>
             </a:r>
             <a:endParaRPr lang="en-AU" b="1" dirty="0">
               <a:solidFill>
@@ -5424,16 +5391,9 @@
             <p:ph idx="1"/>
           </p:nvPr>
         </p:nvSpPr>
-        <p:spPr>
-          <a:xfrm>
-            <a:off x="323528" y="1484784"/>
-            <a:ext cx="8363272" cy="5184576"/>
-          </a:xfrm>
-        </p:spPr>
-        <p:txBody>
-          <a:bodyPr>
-            <a:normAutofit fontScale="70000" lnSpcReduction="20000"/>
-          </a:bodyPr>
+        <p:spPr/>
+        <p:txBody>
+          <a:bodyPr/>
           <a:lstStyle/>
           <a:p>
             <a:pPr marL="0" indent="0">
@@ -5445,7 +5405,7 @@
                   <a:schemeClr val="bg1"/>
                 </a:solidFill>
               </a:rPr>
-              <a:t>Devices</a:t>
+              <a:t>Clinical use</a:t>
             </a:r>
           </a:p>
           <a:p>
@@ -5454,47 +5414,30 @@
               <a:buChar char="§"/>
             </a:pPr>
             <a:r>
-              <a:rPr lang="en-AU" dirty="0" smtClean="0">
-                <a:solidFill>
-                  <a:schemeClr val="bg1"/>
-                </a:solidFill>
-              </a:rPr>
-              <a:t>Beta products</a:t>
-            </a:r>
-          </a:p>
-          <a:p>
-            <a:pPr lvl="1">
-              <a:buFont typeface="Wingdings" panose="05000000000000000000" pitchFamily="2" charset="2"/>
-              <a:buChar char="§"/>
-            </a:pPr>
-            <a:r>
-              <a:rPr lang="en-AU" dirty="0" smtClean="0">
-                <a:solidFill>
-                  <a:schemeClr val="bg1"/>
-                </a:solidFill>
-              </a:rPr>
-              <a:t>Driver clashes</a:t>
-            </a:r>
-          </a:p>
-          <a:p>
-            <a:pPr lvl="1">
-              <a:buFont typeface="Wingdings" panose="05000000000000000000" pitchFamily="2" charset="2"/>
-              <a:buChar char="§"/>
-            </a:pPr>
-            <a:r>
-              <a:rPr lang="en-AU" dirty="0" smtClean="0">
-                <a:solidFill>
-                  <a:schemeClr val="bg1"/>
-                </a:solidFill>
-              </a:rPr>
-              <a:t>Versions/compatibility</a:t>
-            </a:r>
-          </a:p>
-          <a:p>
-            <a:pPr marL="457200" lvl="1" indent="0">
-              <a:buNone/>
-            </a:pPr>
-            <a:endParaRPr lang="en-AU" sz="1400" dirty="0" smtClean="0">
+              <a:rPr lang="en-AU" dirty="0" err="1" smtClean="0">
+                <a:solidFill>
+                  <a:schemeClr val="bg1"/>
+                </a:solidFill>
+              </a:rPr>
+              <a:t>Shri</a:t>
+            </a:r>
+            <a:r>
+              <a:rPr lang="en-AU" dirty="0" smtClean="0">
+                <a:solidFill>
+                  <a:schemeClr val="bg1"/>
+                </a:solidFill>
+              </a:rPr>
+              <a:t> </a:t>
+            </a:r>
+            <a:r>
+              <a:rPr lang="en-AU" dirty="0" err="1" smtClean="0">
+                <a:solidFill>
+                  <a:schemeClr val="bg1"/>
+                </a:solidFill>
+              </a:rPr>
+              <a:t>Rai</a:t>
+            </a:r>
+            <a:endParaRPr lang="en-AU" dirty="0" smtClean="0">
               <a:solidFill>
                 <a:schemeClr val="bg1"/>
               </a:solidFill>
@@ -5510,131 +5453,73 @@
                   <a:schemeClr val="bg1"/>
                 </a:solidFill>
               </a:rPr>
-              <a:t>Designing the exercises and the movements/gestures to meet requirements and but to also consider the devices and what they can do</a:t>
-            </a:r>
-          </a:p>
-          <a:p>
-            <a:pPr marL="0" indent="0">
-              <a:buNone/>
-            </a:pPr>
-            <a:endParaRPr lang="en-AU" sz="1200" dirty="0" smtClean="0">
+              <a:t>Additional control schemes</a:t>
+            </a:r>
+          </a:p>
+          <a:p>
+            <a:pPr lvl="1">
+              <a:buFont typeface="Wingdings" panose="05000000000000000000" pitchFamily="2" charset="2"/>
+              <a:buChar char="§"/>
+            </a:pPr>
+            <a:r>
+              <a:rPr lang="en-AU" dirty="0" smtClean="0">
+                <a:solidFill>
+                  <a:schemeClr val="bg1"/>
+                </a:solidFill>
+              </a:rPr>
+              <a:t>Speech</a:t>
+            </a:r>
+          </a:p>
+          <a:p>
+            <a:pPr lvl="1">
+              <a:buFont typeface="Wingdings" panose="05000000000000000000" pitchFamily="2" charset="2"/>
+              <a:buChar char="§"/>
+            </a:pPr>
+            <a:r>
+              <a:rPr lang="en-AU" dirty="0" smtClean="0">
+                <a:solidFill>
+                  <a:schemeClr val="bg1"/>
+                </a:solidFill>
+              </a:rPr>
+              <a:t>EEG</a:t>
+            </a:r>
+          </a:p>
+          <a:p>
+            <a:pPr lvl="1">
+              <a:buFont typeface="Wingdings" panose="05000000000000000000" pitchFamily="2" charset="2"/>
+              <a:buChar char="§"/>
+            </a:pPr>
+            <a:r>
+              <a:rPr lang="en-AU" dirty="0" smtClean="0">
+                <a:solidFill>
+                  <a:schemeClr val="bg1"/>
+                </a:solidFill>
+              </a:rPr>
+              <a:t>Monitoring variables to self improve the system</a:t>
+            </a:r>
+          </a:p>
+          <a:p>
+            <a:pPr lvl="2"/>
+            <a:r>
+              <a:rPr lang="en-AU" dirty="0" smtClean="0">
+                <a:solidFill>
+                  <a:schemeClr val="bg1"/>
+                </a:solidFill>
+              </a:rPr>
+              <a:t>Stress</a:t>
+            </a:r>
+            <a:endParaRPr lang="en-AU" dirty="0">
               <a:solidFill>
                 <a:schemeClr val="bg1"/>
               </a:solidFill>
             </a:endParaRPr>
           </a:p>
-          <a:p>
-            <a:pPr marL="0" indent="0">
-              <a:buNone/>
-            </a:pPr>
-            <a:r>
-              <a:rPr lang="en-AU" dirty="0" smtClean="0">
-                <a:solidFill>
-                  <a:schemeClr val="bg1"/>
-                </a:solidFill>
-              </a:rPr>
-              <a:t>Version control and modifying joint code</a:t>
-            </a:r>
-          </a:p>
-          <a:p>
-            <a:pPr marL="0" indent="0">
-              <a:buNone/>
-            </a:pPr>
-            <a:endParaRPr lang="en-AU" sz="1300" dirty="0" smtClean="0">
-              <a:solidFill>
-                <a:schemeClr val="bg1"/>
-              </a:solidFill>
-            </a:endParaRPr>
-          </a:p>
-          <a:p>
-            <a:pPr marL="0" indent="0">
-              <a:buNone/>
-            </a:pPr>
-            <a:r>
-              <a:rPr lang="en-AU" dirty="0" smtClean="0">
-                <a:solidFill>
-                  <a:schemeClr val="bg1"/>
-                </a:solidFill>
-              </a:rPr>
-              <a:t>Teamwork</a:t>
-            </a:r>
-          </a:p>
-          <a:p>
-            <a:pPr marL="0" indent="0">
-              <a:buNone/>
-            </a:pPr>
-            <a:endParaRPr lang="en-AU" sz="1300" dirty="0" smtClean="0">
-              <a:solidFill>
-                <a:schemeClr val="bg1"/>
-              </a:solidFill>
-            </a:endParaRPr>
-          </a:p>
-          <a:p>
-            <a:pPr marL="0" indent="0">
-              <a:buNone/>
-            </a:pPr>
-            <a:r>
-              <a:rPr lang="en-AU" dirty="0" smtClean="0">
-                <a:solidFill>
-                  <a:schemeClr val="bg1"/>
-                </a:solidFill>
-              </a:rPr>
-              <a:t>Communication is essential for success</a:t>
-            </a:r>
-          </a:p>
-          <a:p>
-            <a:pPr marL="0" indent="0">
-              <a:buNone/>
-            </a:pPr>
-            <a:endParaRPr lang="en-AU" sz="1400" dirty="0" smtClean="0">
-              <a:solidFill>
-                <a:schemeClr val="bg1"/>
-              </a:solidFill>
-            </a:endParaRPr>
-          </a:p>
-          <a:p>
-            <a:pPr marL="0" indent="0">
-              <a:buNone/>
-            </a:pPr>
-            <a:r>
-              <a:rPr lang="en-AU" dirty="0" smtClean="0">
-                <a:solidFill>
-                  <a:schemeClr val="bg1"/>
-                </a:solidFill>
-              </a:rPr>
-              <a:t>The importance of time management</a:t>
-            </a:r>
-          </a:p>
-          <a:p>
-            <a:pPr marL="0" indent="0">
-              <a:buNone/>
-            </a:pPr>
-            <a:endParaRPr lang="en-AU" sz="1400" dirty="0" smtClean="0">
-              <a:solidFill>
-                <a:schemeClr val="bg1"/>
-              </a:solidFill>
-            </a:endParaRPr>
-          </a:p>
-          <a:p>
-            <a:pPr marL="0" indent="0">
-              <a:buNone/>
-            </a:pPr>
-            <a:r>
-              <a:rPr lang="en-AU" dirty="0" smtClean="0">
-                <a:solidFill>
-                  <a:schemeClr val="bg1"/>
-                </a:solidFill>
-              </a:rPr>
-              <a:t>Assess and managing scope</a:t>
-            </a:r>
-            <a:endParaRPr lang="en-AU" dirty="0"/>
-          </a:p>
         </p:txBody>
       </p:sp>
     </p:spTree>
     <p:extLst>
       <p:ext uri="{BB962C8B-B14F-4D97-AF65-F5344CB8AC3E}">
-        <p14:creationId xmlns:p14="http://schemas.microsoft.com/office/powerpoint/2010/main" val="1696129637"/>
+        <p14:creationId xmlns:p14="http://schemas.microsoft.com/office/powerpoint/2010/main" val="4032374465"/>
       </p:ext>
     </p:extLst>
   </p:cSld>
@@ -5689,6 +5574,291 @@
                   <a:schemeClr val="bg1"/>
                 </a:solidFill>
               </a:rPr>
+              <a:t>Lessons Learned</a:t>
+            </a:r>
+            <a:endParaRPr lang="en-AU" b="1" dirty="0">
+              <a:solidFill>
+                <a:schemeClr val="bg1"/>
+              </a:solidFill>
+            </a:endParaRPr>
+          </a:p>
+        </p:txBody>
+      </p:sp>
+      <p:sp>
+        <p:nvSpPr>
+          <p:cNvPr id="3" name="Content Placeholder 2"/>
+          <p:cNvSpPr>
+            <a:spLocks noGrp="1"/>
+          </p:cNvSpPr>
+          <p:nvPr>
+            <p:ph idx="1"/>
+          </p:nvPr>
+        </p:nvSpPr>
+        <p:spPr>
+          <a:xfrm>
+            <a:off x="323528" y="1484784"/>
+            <a:ext cx="8363272" cy="5184576"/>
+          </a:xfrm>
+        </p:spPr>
+        <p:txBody>
+          <a:bodyPr>
+            <a:normAutofit fontScale="70000" lnSpcReduction="20000"/>
+          </a:bodyPr>
+          <a:lstStyle/>
+          <a:p>
+            <a:pPr marL="0" indent="0">
+              <a:buNone/>
+            </a:pPr>
+            <a:r>
+              <a:rPr lang="en-AU" dirty="0" smtClean="0">
+                <a:solidFill>
+                  <a:schemeClr val="bg1"/>
+                </a:solidFill>
+              </a:rPr>
+              <a:t>Devices</a:t>
+            </a:r>
+          </a:p>
+          <a:p>
+            <a:pPr lvl="1">
+              <a:buFont typeface="Wingdings" panose="05000000000000000000" pitchFamily="2" charset="2"/>
+              <a:buChar char="§"/>
+            </a:pPr>
+            <a:r>
+              <a:rPr lang="en-AU" dirty="0" smtClean="0">
+                <a:solidFill>
+                  <a:schemeClr val="bg1"/>
+                </a:solidFill>
+              </a:rPr>
+              <a:t>Beta products</a:t>
+            </a:r>
+          </a:p>
+          <a:p>
+            <a:pPr lvl="1">
+              <a:buFont typeface="Wingdings" panose="05000000000000000000" pitchFamily="2" charset="2"/>
+              <a:buChar char="§"/>
+            </a:pPr>
+            <a:r>
+              <a:rPr lang="en-AU" dirty="0" smtClean="0">
+                <a:solidFill>
+                  <a:schemeClr val="bg1"/>
+                </a:solidFill>
+              </a:rPr>
+              <a:t>Driver clashes</a:t>
+            </a:r>
+          </a:p>
+          <a:p>
+            <a:pPr lvl="1">
+              <a:buFont typeface="Wingdings" panose="05000000000000000000" pitchFamily="2" charset="2"/>
+              <a:buChar char="§"/>
+            </a:pPr>
+            <a:r>
+              <a:rPr lang="en-AU" dirty="0" smtClean="0">
+                <a:solidFill>
+                  <a:schemeClr val="bg1"/>
+                </a:solidFill>
+              </a:rPr>
+              <a:t>Versions/compatibility</a:t>
+            </a:r>
+          </a:p>
+          <a:p>
+            <a:pPr marL="457200" lvl="1" indent="0">
+              <a:buNone/>
+            </a:pPr>
+            <a:endParaRPr lang="en-AU" sz="1400" dirty="0" smtClean="0">
+              <a:solidFill>
+                <a:schemeClr val="bg1"/>
+              </a:solidFill>
+            </a:endParaRPr>
+          </a:p>
+          <a:p>
+            <a:pPr marL="0" indent="0">
+              <a:buNone/>
+            </a:pPr>
+            <a:r>
+              <a:rPr lang="en-AU" dirty="0" smtClean="0">
+                <a:solidFill>
+                  <a:schemeClr val="bg1"/>
+                </a:solidFill>
+              </a:rPr>
+              <a:t>Designing the exercises and the movements/gestures to meet requirements and but to also consider the devices and what they can do</a:t>
+            </a:r>
+          </a:p>
+          <a:p>
+            <a:pPr marL="0" indent="0">
+              <a:buNone/>
+            </a:pPr>
+            <a:endParaRPr lang="en-AU" sz="1200" dirty="0" smtClean="0">
+              <a:solidFill>
+                <a:schemeClr val="bg1"/>
+              </a:solidFill>
+            </a:endParaRPr>
+          </a:p>
+          <a:p>
+            <a:pPr marL="0" indent="0">
+              <a:buNone/>
+            </a:pPr>
+            <a:r>
+              <a:rPr lang="en-AU" dirty="0" smtClean="0">
+                <a:solidFill>
+                  <a:schemeClr val="bg1"/>
+                </a:solidFill>
+              </a:rPr>
+              <a:t>Version control and modifying joint code</a:t>
+            </a:r>
+          </a:p>
+          <a:p>
+            <a:pPr marL="0" indent="0">
+              <a:buNone/>
+            </a:pPr>
+            <a:endParaRPr lang="en-AU" sz="1300" dirty="0" smtClean="0">
+              <a:solidFill>
+                <a:schemeClr val="bg1"/>
+              </a:solidFill>
+            </a:endParaRPr>
+          </a:p>
+          <a:p>
+            <a:pPr marL="0" indent="0">
+              <a:buNone/>
+            </a:pPr>
+            <a:r>
+              <a:rPr lang="en-AU" dirty="0" smtClean="0">
+                <a:solidFill>
+                  <a:schemeClr val="bg1"/>
+                </a:solidFill>
+              </a:rPr>
+              <a:t>Teamwork</a:t>
+            </a:r>
+          </a:p>
+          <a:p>
+            <a:pPr marL="0" indent="0">
+              <a:buNone/>
+            </a:pPr>
+            <a:endParaRPr lang="en-AU" sz="1300" dirty="0" smtClean="0">
+              <a:solidFill>
+                <a:schemeClr val="bg1"/>
+              </a:solidFill>
+            </a:endParaRPr>
+          </a:p>
+          <a:p>
+            <a:pPr marL="0" indent="0">
+              <a:buNone/>
+            </a:pPr>
+            <a:r>
+              <a:rPr lang="en-AU" dirty="0" smtClean="0">
+                <a:solidFill>
+                  <a:schemeClr val="bg1"/>
+                </a:solidFill>
+              </a:rPr>
+              <a:t>Communication is essential for success</a:t>
+            </a:r>
+          </a:p>
+          <a:p>
+            <a:pPr marL="0" indent="0">
+              <a:buNone/>
+            </a:pPr>
+            <a:endParaRPr lang="en-AU" sz="1400" dirty="0" smtClean="0">
+              <a:solidFill>
+                <a:schemeClr val="bg1"/>
+              </a:solidFill>
+            </a:endParaRPr>
+          </a:p>
+          <a:p>
+            <a:pPr marL="0" indent="0">
+              <a:buNone/>
+            </a:pPr>
+            <a:r>
+              <a:rPr lang="en-AU" dirty="0" smtClean="0">
+                <a:solidFill>
+                  <a:schemeClr val="bg1"/>
+                </a:solidFill>
+              </a:rPr>
+              <a:t>The importance of time management</a:t>
+            </a:r>
+          </a:p>
+          <a:p>
+            <a:pPr marL="0" indent="0">
+              <a:buNone/>
+            </a:pPr>
+            <a:endParaRPr lang="en-AU" sz="1400" dirty="0" smtClean="0">
+              <a:solidFill>
+                <a:schemeClr val="bg1"/>
+              </a:solidFill>
+            </a:endParaRPr>
+          </a:p>
+          <a:p>
+            <a:pPr marL="0" indent="0">
+              <a:buNone/>
+            </a:pPr>
+            <a:r>
+              <a:rPr lang="en-AU" dirty="0" smtClean="0">
+                <a:solidFill>
+                  <a:schemeClr val="bg1"/>
+                </a:solidFill>
+              </a:rPr>
+              <a:t>Assess and managing scope</a:t>
+            </a:r>
+            <a:endParaRPr lang="en-AU" dirty="0"/>
+          </a:p>
+        </p:txBody>
+      </p:sp>
+    </p:spTree>
+    <p:extLst>
+      <p:ext uri="{BB962C8B-B14F-4D97-AF65-F5344CB8AC3E}">
+        <p14:creationId xmlns:p14="http://schemas.microsoft.com/office/powerpoint/2010/main" val="1696129637"/>
+      </p:ext>
+    </p:extLst>
+  </p:cSld>
+  <p:clrMapOvr>
+    <a:masterClrMapping/>
+  </p:clrMapOvr>
+  <p:timing>
+    <p:tnLst>
+      <p:par>
+        <p:cTn id="1" dur="indefinite" restart="never" nodeType="tmRoot"/>
+      </p:par>
+    </p:tnLst>
+  </p:timing>
+</p:sld>
+</file>
+
+<file path=ppt/slides/slide17.xml><?xml version="1.0" encoding="utf-8"?>
+<p:sld xmlns:a="http://schemas.openxmlformats.org/drawingml/2006/main" xmlns:r="http://schemas.openxmlformats.org/officeDocument/2006/relationships" xmlns:p="http://schemas.openxmlformats.org/presentationml/2006/main">
+  <p:cSld>
+    <p:spTree>
+      <p:nvGrpSpPr>
+        <p:cNvPr id="1" name=""/>
+        <p:cNvGrpSpPr/>
+        <p:nvPr/>
+      </p:nvGrpSpPr>
+      <p:grpSpPr>
+        <a:xfrm>
+          <a:off x="0" y="0"/>
+          <a:ext cx="0" cy="0"/>
+          <a:chOff x="0" y="0"/>
+          <a:chExt cx="0" cy="0"/>
+        </a:xfrm>
+      </p:grpSpPr>
+      <p:sp>
+        <p:nvSpPr>
+          <p:cNvPr id="2" name="Title 1"/>
+          <p:cNvSpPr>
+            <a:spLocks noGrp="1"/>
+          </p:cNvSpPr>
+          <p:nvPr>
+            <p:ph type="title"/>
+          </p:nvPr>
+        </p:nvSpPr>
+        <p:spPr/>
+        <p:txBody>
+          <a:bodyPr/>
+          <a:lstStyle/>
+          <a:p>
+            <a:r>
+              <a:rPr lang="en-AU" b="1" dirty="0" smtClean="0">
+                <a:solidFill>
+                  <a:schemeClr val="bg1"/>
+                </a:solidFill>
+              </a:rPr>
               <a:t>Acknowledgements</a:t>
             </a:r>
             <a:endParaRPr lang="en-AU" b="1" dirty="0">
@@ -5863,7 +6033,7 @@
 </p:sld>
 </file>
 
-<file path=ppt/slides/slide17.xml><?xml version="1.0" encoding="utf-8"?>
+<file path=ppt/slides/slide18.xml><?xml version="1.0" encoding="utf-8"?>
 <p:sld xmlns:a="http://schemas.openxmlformats.org/drawingml/2006/main" xmlns:r="http://schemas.openxmlformats.org/officeDocument/2006/relationships" xmlns:p="http://schemas.openxmlformats.org/presentationml/2006/main">
   <p:cSld>
     <p:spTree>
@@ -6098,11 +6268,6 @@
               </a:rPr>
               <a:t>Project background </a:t>
             </a:r>
-            <a:endParaRPr lang="en-AU" dirty="0" smtClean="0">
-              <a:solidFill>
-                <a:schemeClr val="bg1"/>
-              </a:solidFill>
-            </a:endParaRPr>
           </a:p>
           <a:p>
             <a:pPr>
@@ -6115,15 +6280,7 @@
                   <a:schemeClr val="bg1"/>
                 </a:solidFill>
               </a:rPr>
-              <a:t>Client </a:t>
-            </a:r>
-            <a:r>
-              <a:rPr lang="en-AU" dirty="0" smtClean="0">
-                <a:solidFill>
-                  <a:schemeClr val="bg1"/>
-                </a:solidFill>
-              </a:rPr>
-              <a:t>specification</a:t>
+              <a:t>Client specification</a:t>
             </a:r>
           </a:p>
           <a:p>
@@ -7079,11 +7236,6 @@
               </a:rPr>
               <a:t>Limited</a:t>
             </a:r>
-            <a:endParaRPr lang="en-AU" dirty="0" smtClean="0">
-              <a:solidFill>
-                <a:schemeClr val="bg1"/>
-              </a:solidFill>
-            </a:endParaRPr>
           </a:p>
         </p:txBody>
       </p:sp>
@@ -7728,7 +7880,7 @@
         </p:spPr>
         <p:txBody>
           <a:bodyPr>
-            <a:normAutofit fontScale="85000" lnSpcReduction="20000"/>
+            <a:normAutofit/>
           </a:bodyPr>
           <a:lstStyle/>
           <a:p>
@@ -7829,155 +7981,6 @@
                 <a:schemeClr val="bg1"/>
               </a:solidFill>
             </a:endParaRPr>
-          </a:p>
-          <a:p>
-            <a:pPr marL="0" indent="0">
-              <a:buNone/>
-            </a:pPr>
-            <a:r>
-              <a:rPr lang="en-AU" dirty="0" smtClean="0">
-                <a:solidFill>
-                  <a:schemeClr val="bg1"/>
-                </a:solidFill>
-              </a:rPr>
-              <a:t>Ary </a:t>
-            </a:r>
-            <a:r>
-              <a:rPr lang="en-AU" dirty="0">
-                <a:solidFill>
-                  <a:schemeClr val="bg1"/>
-                </a:solidFill>
-              </a:rPr>
-              <a:t>Bizar </a:t>
-            </a:r>
-            <a:r>
-              <a:rPr lang="en-AU" dirty="0" smtClean="0">
-                <a:solidFill>
-                  <a:schemeClr val="bg1"/>
-                </a:solidFill>
-              </a:rPr>
-              <a:t>– Level designer</a:t>
-            </a:r>
-            <a:endParaRPr lang="en-AU" dirty="0">
-              <a:solidFill>
-                <a:schemeClr val="bg1"/>
-              </a:solidFill>
-            </a:endParaRPr>
-          </a:p>
-          <a:p>
-            <a:pPr marL="0" indent="0">
-              <a:buNone/>
-            </a:pPr>
-            <a:r>
-              <a:rPr lang="en-AU" dirty="0" smtClean="0">
-                <a:solidFill>
-                  <a:schemeClr val="bg1"/>
-                </a:solidFill>
-              </a:rPr>
-              <a:t>Anopan </a:t>
-            </a:r>
-            <a:r>
-              <a:rPr lang="en-AU" dirty="0">
-                <a:solidFill>
-                  <a:schemeClr val="bg1"/>
-                </a:solidFill>
-              </a:rPr>
-              <a:t>Kandiah </a:t>
-            </a:r>
-            <a:r>
-              <a:rPr lang="en-AU" dirty="0" smtClean="0">
-                <a:solidFill>
-                  <a:schemeClr val="bg1"/>
-                </a:solidFill>
-              </a:rPr>
-              <a:t>– </a:t>
-            </a:r>
-            <a:r>
-              <a:rPr lang="en-AU" dirty="0" err="1" smtClean="0">
-                <a:solidFill>
-                  <a:schemeClr val="bg1"/>
-                </a:solidFill>
-              </a:rPr>
-              <a:t>Kinect</a:t>
-            </a:r>
-            <a:r>
-              <a:rPr lang="en-AU" dirty="0" smtClean="0">
-                <a:solidFill>
-                  <a:schemeClr val="bg1"/>
-                </a:solidFill>
-              </a:rPr>
-              <a:t> development</a:t>
-            </a:r>
-            <a:endParaRPr lang="en-AU" sz="2400" dirty="0" smtClean="0">
-              <a:solidFill>
-                <a:schemeClr val="bg1"/>
-              </a:solidFill>
-            </a:endParaRPr>
-          </a:p>
-          <a:p>
-            <a:pPr marL="0" indent="0">
-              <a:buNone/>
-            </a:pPr>
-            <a:r>
-              <a:rPr lang="en-AU" dirty="0" smtClean="0">
-                <a:solidFill>
-                  <a:schemeClr val="bg1"/>
-                </a:solidFill>
-              </a:rPr>
-              <a:t>Hannah Klinac – Leap Motion development</a:t>
-            </a:r>
-            <a:endParaRPr lang="en-AU" sz="2400" dirty="0" smtClean="0">
-              <a:solidFill>
-                <a:schemeClr val="bg1"/>
-              </a:solidFill>
-            </a:endParaRPr>
-          </a:p>
-          <a:p>
-            <a:pPr marL="0" indent="0">
-              <a:buNone/>
-            </a:pPr>
-            <a:r>
-              <a:rPr lang="en-AU" dirty="0" smtClean="0">
-                <a:solidFill>
-                  <a:schemeClr val="bg1"/>
-                </a:solidFill>
-              </a:rPr>
-              <a:t>Alex Mlodawski – </a:t>
-            </a:r>
-            <a:r>
-              <a:rPr lang="en-AU" dirty="0" err="1" smtClean="0">
-                <a:solidFill>
-                  <a:schemeClr val="bg1"/>
-                </a:solidFill>
-              </a:rPr>
-              <a:t>Kinect</a:t>
-            </a:r>
-            <a:r>
-              <a:rPr lang="en-AU" dirty="0" smtClean="0">
-                <a:solidFill>
-                  <a:schemeClr val="bg1"/>
-                </a:solidFill>
-              </a:rPr>
-              <a:t> development</a:t>
-            </a:r>
-            <a:endParaRPr lang="en-AU" sz="2400" dirty="0" smtClean="0">
-              <a:solidFill>
-                <a:schemeClr val="bg1"/>
-              </a:solidFill>
-            </a:endParaRPr>
-          </a:p>
-          <a:p>
-            <a:pPr marL="0" indent="0">
-              <a:buNone/>
-            </a:pPr>
-            <a:r>
-              <a:rPr lang="en-AU" dirty="0" smtClean="0">
-                <a:solidFill>
-                  <a:schemeClr val="bg1"/>
-                </a:solidFill>
-              </a:rPr>
-              <a:t>Bryan Yu – Razer Hydra development, database</a:t>
-            </a:r>
           </a:p>
           <a:p>
             <a:pPr marL="0" indent="0">
@@ -8053,6 +8056,222 @@
 </file>
 
 <file path=ppt/slides/slide8.xml><?xml version="1.0" encoding="utf-8"?>
+<p:sld xmlns:a="http://schemas.openxmlformats.org/drawingml/2006/main" xmlns:r="http://schemas.openxmlformats.org/officeDocument/2006/relationships" xmlns:p="http://schemas.openxmlformats.org/presentationml/2006/main">
+  <p:cSld>
+    <p:spTree>
+      <p:nvGrpSpPr>
+        <p:cNvPr id="1" name=""/>
+        <p:cNvGrpSpPr/>
+        <p:nvPr/>
+      </p:nvGrpSpPr>
+      <p:grpSpPr>
+        <a:xfrm>
+          <a:off x="0" y="0"/>
+          <a:ext cx="0" cy="0"/>
+          <a:chOff x="0" y="0"/>
+          <a:chExt cx="0" cy="0"/>
+        </a:xfrm>
+      </p:grpSpPr>
+      <p:sp>
+        <p:nvSpPr>
+          <p:cNvPr id="2" name="Title 1"/>
+          <p:cNvSpPr>
+            <a:spLocks noGrp="1"/>
+          </p:cNvSpPr>
+          <p:nvPr>
+            <p:ph type="title"/>
+          </p:nvPr>
+        </p:nvSpPr>
+        <p:spPr/>
+        <p:txBody>
+          <a:bodyPr/>
+          <a:lstStyle/>
+          <a:p>
+            <a:r>
+              <a:rPr lang="en-AU" b="1" dirty="0" smtClean="0">
+                <a:solidFill>
+                  <a:schemeClr val="bg1"/>
+                </a:solidFill>
+              </a:rPr>
+              <a:t>Project Management</a:t>
+            </a:r>
+            <a:endParaRPr lang="en-AU" b="1" dirty="0">
+              <a:solidFill>
+                <a:schemeClr val="bg1"/>
+              </a:solidFill>
+            </a:endParaRPr>
+          </a:p>
+        </p:txBody>
+      </p:sp>
+      <p:sp>
+        <p:nvSpPr>
+          <p:cNvPr id="3" name="Content Placeholder 2"/>
+          <p:cNvSpPr>
+            <a:spLocks noGrp="1"/>
+          </p:cNvSpPr>
+          <p:nvPr>
+            <p:ph idx="1"/>
+          </p:nvPr>
+        </p:nvSpPr>
+        <p:spPr/>
+        <p:txBody>
+          <a:bodyPr/>
+          <a:lstStyle/>
+          <a:p>
+            <a:pPr marL="0" indent="0">
+              <a:buNone/>
+            </a:pPr>
+            <a:r>
+              <a:rPr lang="en-AU" dirty="0">
+                <a:solidFill>
+                  <a:schemeClr val="bg1"/>
+                </a:solidFill>
+              </a:rPr>
+              <a:t>Ary Bizar – Level </a:t>
+            </a:r>
+            <a:r>
+              <a:rPr lang="en-AU" dirty="0" smtClean="0">
+                <a:solidFill>
+                  <a:schemeClr val="bg1"/>
+                </a:solidFill>
+              </a:rPr>
+              <a:t>designer, Asset creator</a:t>
+            </a:r>
+            <a:endParaRPr lang="en-AU" dirty="0">
+              <a:solidFill>
+                <a:schemeClr val="bg1"/>
+              </a:solidFill>
+            </a:endParaRPr>
+          </a:p>
+          <a:p>
+            <a:pPr marL="0" indent="0">
+              <a:buNone/>
+            </a:pPr>
+            <a:r>
+              <a:rPr lang="en-AU" dirty="0">
+                <a:solidFill>
+                  <a:schemeClr val="bg1"/>
+                </a:solidFill>
+              </a:rPr>
+              <a:t>Anopan Kandiah – </a:t>
+            </a:r>
+            <a:r>
+              <a:rPr lang="en-AU" dirty="0" err="1">
+                <a:solidFill>
+                  <a:schemeClr val="bg1"/>
+                </a:solidFill>
+              </a:rPr>
+              <a:t>Kinect</a:t>
+            </a:r>
+            <a:r>
+              <a:rPr lang="en-AU" dirty="0">
+                <a:solidFill>
+                  <a:schemeClr val="bg1"/>
+                </a:solidFill>
+              </a:rPr>
+              <a:t> development</a:t>
+            </a:r>
+            <a:endParaRPr lang="en-AU" sz="2400" dirty="0">
+              <a:solidFill>
+                <a:schemeClr val="bg1"/>
+              </a:solidFill>
+            </a:endParaRPr>
+          </a:p>
+          <a:p>
+            <a:pPr marL="0" indent="0">
+              <a:buNone/>
+            </a:pPr>
+            <a:r>
+              <a:rPr lang="en-AU" dirty="0">
+                <a:solidFill>
+                  <a:schemeClr val="bg1"/>
+                </a:solidFill>
+              </a:rPr>
+              <a:t>Hannah Klinac – Leap Motion </a:t>
+            </a:r>
+            <a:r>
+              <a:rPr lang="en-AU" dirty="0" smtClean="0">
+                <a:solidFill>
+                  <a:schemeClr val="bg1"/>
+                </a:solidFill>
+              </a:rPr>
+              <a:t>development, 			Project Manager</a:t>
+            </a:r>
+            <a:endParaRPr lang="en-AU" sz="2400" dirty="0">
+              <a:solidFill>
+                <a:schemeClr val="bg1"/>
+              </a:solidFill>
+            </a:endParaRPr>
+          </a:p>
+          <a:p>
+            <a:pPr marL="0" indent="0">
+              <a:buNone/>
+            </a:pPr>
+            <a:r>
+              <a:rPr lang="en-AU" dirty="0">
+                <a:solidFill>
+                  <a:schemeClr val="bg1"/>
+                </a:solidFill>
+              </a:rPr>
+              <a:t>Alex Mlodawski – </a:t>
+            </a:r>
+            <a:r>
+              <a:rPr lang="en-AU" dirty="0" err="1">
+                <a:solidFill>
+                  <a:schemeClr val="bg1"/>
+                </a:solidFill>
+              </a:rPr>
+              <a:t>Kinect</a:t>
+            </a:r>
+            <a:r>
+              <a:rPr lang="en-AU" dirty="0">
+                <a:solidFill>
+                  <a:schemeClr val="bg1"/>
+                </a:solidFill>
+              </a:rPr>
+              <a:t> development</a:t>
+            </a:r>
+            <a:endParaRPr lang="en-AU" sz="2400" dirty="0">
+              <a:solidFill>
+                <a:schemeClr val="bg1"/>
+              </a:solidFill>
+            </a:endParaRPr>
+          </a:p>
+          <a:p>
+            <a:pPr marL="0" indent="0">
+              <a:buNone/>
+            </a:pPr>
+            <a:r>
+              <a:rPr lang="en-AU" dirty="0">
+                <a:solidFill>
+                  <a:schemeClr val="bg1"/>
+                </a:solidFill>
+              </a:rPr>
+              <a:t>Bryan Yu – Razer Hydra development, database</a:t>
+            </a:r>
+          </a:p>
+          <a:p>
+            <a:pPr marL="0" indent="0">
+              <a:buNone/>
+            </a:pPr>
+            <a:endParaRPr lang="en-AU" dirty="0"/>
+          </a:p>
+        </p:txBody>
+      </p:sp>
+    </p:spTree>
+    <p:extLst>
+      <p:ext uri="{BB962C8B-B14F-4D97-AF65-F5344CB8AC3E}">
+        <p14:creationId xmlns:p14="http://schemas.microsoft.com/office/powerpoint/2010/main" val="3689039678"/>
+      </p:ext>
+    </p:extLst>
+  </p:cSld>
+  <p:clrMapOvr>
+    <a:masterClrMapping/>
+  </p:clrMapOvr>
+</p:sld>
+</file>
+
+<file path=ppt/slides/slide9.xml><?xml version="1.0" encoding="utf-8"?>
 <p:sld xmlns:a="http://schemas.openxmlformats.org/drawingml/2006/main" xmlns:r="http://schemas.openxmlformats.org/officeDocument/2006/relationships" xmlns:p="http://schemas.openxmlformats.org/presentationml/2006/main">
   <p:cSld>
     <p:spTree>
@@ -8430,175 +8649,6 @@
       </p:par>
     </p:tnLst>
   </p:timing>
-</p:sld>
-</file>
-
-<file path=ppt/slides/slide9.xml><?xml version="1.0" encoding="utf-8"?>
-<p:sld xmlns:a="http://schemas.openxmlformats.org/drawingml/2006/main" xmlns:r="http://schemas.openxmlformats.org/officeDocument/2006/relationships" xmlns:p="http://schemas.openxmlformats.org/presentationml/2006/main">
-  <p:cSld>
-    <p:spTree>
-      <p:nvGrpSpPr>
-        <p:cNvPr id="1" name=""/>
-        <p:cNvGrpSpPr/>
-        <p:nvPr/>
-      </p:nvGrpSpPr>
-      <p:grpSpPr>
-        <a:xfrm>
-          <a:off x="0" y="0"/>
-          <a:ext cx="0" cy="0"/>
-          <a:chOff x="0" y="0"/>
-          <a:chExt cx="0" cy="0"/>
-        </a:xfrm>
-      </p:grpSpPr>
-      <p:sp>
-        <p:nvSpPr>
-          <p:cNvPr id="2" name="Title 1"/>
-          <p:cNvSpPr>
-            <a:spLocks noGrp="1"/>
-          </p:cNvSpPr>
-          <p:nvPr>
-            <p:ph type="title"/>
-          </p:nvPr>
-        </p:nvSpPr>
-        <p:spPr/>
-        <p:txBody>
-          <a:bodyPr/>
-          <a:lstStyle/>
-          <a:p>
-            <a:r>
-              <a:rPr lang="en-AU" b="1" dirty="0" smtClean="0">
-                <a:solidFill>
-                  <a:schemeClr val="bg1"/>
-                </a:solidFill>
-              </a:rPr>
-              <a:t>Video</a:t>
-            </a:r>
-            <a:endParaRPr lang="en-AU" b="1" dirty="0">
-              <a:solidFill>
-                <a:schemeClr val="bg1"/>
-              </a:solidFill>
-            </a:endParaRPr>
-          </a:p>
-        </p:txBody>
-      </p:sp>
-      <p:sp>
-        <p:nvSpPr>
-          <p:cNvPr id="3" name="Content Placeholder 2"/>
-          <p:cNvSpPr>
-            <a:spLocks noGrp="1"/>
-          </p:cNvSpPr>
-          <p:nvPr>
-            <p:ph idx="1"/>
-          </p:nvPr>
-        </p:nvSpPr>
-        <p:spPr/>
-        <p:txBody>
-          <a:bodyPr/>
-          <a:lstStyle/>
-          <a:p>
-            <a:pPr marL="0" indent="0">
-              <a:buNone/>
-            </a:pPr>
-            <a:r>
-              <a:rPr lang="en-AU" dirty="0" smtClean="0">
-                <a:solidFill>
-                  <a:schemeClr val="bg1"/>
-                </a:solidFill>
-              </a:rPr>
-              <a:t>Menu</a:t>
-            </a:r>
-          </a:p>
-          <a:p>
-            <a:pPr marL="0" indent="0">
-              <a:buNone/>
-            </a:pPr>
-            <a:r>
-              <a:rPr lang="en-AU" dirty="0" smtClean="0">
-                <a:solidFill>
-                  <a:schemeClr val="bg1"/>
-                </a:solidFill>
-              </a:rPr>
-              <a:t>Adjustors</a:t>
-            </a:r>
-          </a:p>
-          <a:p>
-            <a:pPr marL="0" indent="0">
-              <a:buNone/>
-            </a:pPr>
-            <a:r>
-              <a:rPr lang="en-AU" dirty="0" smtClean="0">
-                <a:solidFill>
-                  <a:schemeClr val="bg1"/>
-                </a:solidFill>
-              </a:rPr>
-              <a:t>Profiling</a:t>
-            </a:r>
-          </a:p>
-          <a:p>
-            <a:pPr marL="0" indent="0">
-              <a:buNone/>
-            </a:pPr>
-            <a:endParaRPr lang="en-AU" dirty="0">
-              <a:solidFill>
-                <a:schemeClr val="bg1"/>
-              </a:solidFill>
-            </a:endParaRPr>
-          </a:p>
-          <a:p>
-            <a:pPr marL="0" indent="0">
-              <a:buNone/>
-            </a:pPr>
-            <a:r>
-              <a:rPr lang="en-AU" dirty="0">
-                <a:solidFill>
-                  <a:schemeClr val="bg1"/>
-                </a:solidFill>
-              </a:rPr>
-              <a:t>Oculus Rift – To make it easier for the audience to view, we’re only using the Oculus with one of the input interfaces today</a:t>
-            </a:r>
-          </a:p>
-          <a:p>
-            <a:pPr marL="0" indent="0">
-              <a:buNone/>
-            </a:pPr>
-            <a:endParaRPr lang="en-AU" dirty="0" smtClean="0">
-              <a:solidFill>
-                <a:schemeClr val="bg1"/>
-              </a:solidFill>
-            </a:endParaRPr>
-          </a:p>
-          <a:p>
-            <a:pPr marL="0" indent="0">
-              <a:buNone/>
-            </a:pPr>
-            <a:endParaRPr lang="en-AU" dirty="0">
-              <a:solidFill>
-                <a:schemeClr val="bg1"/>
-              </a:solidFill>
-            </a:endParaRPr>
-          </a:p>
-          <a:p>
-            <a:pPr marL="0" indent="0">
-              <a:buNone/>
-            </a:pPr>
-            <a:endParaRPr lang="en-AU" dirty="0">
-              <a:solidFill>
-                <a:schemeClr val="bg1"/>
-              </a:solidFill>
-            </a:endParaRPr>
-          </a:p>
-        </p:txBody>
-      </p:sp>
-    </p:spTree>
-    <p:extLst>
-      <p:ext uri="{BB962C8B-B14F-4D97-AF65-F5344CB8AC3E}">
-        <p14:creationId xmlns:p14="http://schemas.microsoft.com/office/powerpoint/2010/main" val="1266296843"/>
-      </p:ext>
-    </p:extLst>
-  </p:cSld>
-  <p:clrMapOvr>
-    <a:masterClrMapping/>
-  </p:clrMapOvr>
 </p:sld>
 </file>
 
